--- a/Tutorial 1.pptx
+++ b/Tutorial 1.pptx
@@ -9,11 +9,8 @@
     <p:sldId id="258" r:id="rId3"/>
     <p:sldId id="257" r:id="rId4"/>
     <p:sldId id="259" r:id="rId5"/>
-    <p:sldId id="263" r:id="rId6"/>
-    <p:sldId id="260" r:id="rId7"/>
-    <p:sldId id="264" r:id="rId8"/>
-    <p:sldId id="262" r:id="rId9"/>
-    <p:sldId id="265" r:id="rId10"/>
+    <p:sldId id="260" r:id="rId6"/>
+    <p:sldId id="262" r:id="rId7"/>
   </p:sldIdLst>
   <p:sldSz cx="12192000" cy="6858000"/>
   <p:notesSz cx="6858000" cy="9144000"/>
@@ -125,7 +122,7 @@
   <pc:docChgLst>
     <pc:chgData name="Maximilian Wagner" userId="299fb8deca5794aa" providerId="LiveId" clId="{8BDD2595-85F1-4A87-BAB2-4985FFFD9548}"/>
     <pc:docChg chg="custSel addSld delSld modSld sldOrd">
-      <pc:chgData name="Maximilian Wagner" userId="299fb8deca5794aa" providerId="LiveId" clId="{8BDD2595-85F1-4A87-BAB2-4985FFFD9548}" dt="2025-11-03T09:05:35.921" v="83" actId="478"/>
+      <pc:chgData name="Maximilian Wagner" userId="299fb8deca5794aa" providerId="LiveId" clId="{8BDD2595-85F1-4A87-BAB2-4985FFFD9548}" dt="2025-11-17T08:42:00.325" v="87" actId="47"/>
       <pc:docMkLst>
         <pc:docMk/>
       </pc:docMkLst>
@@ -157,53 +154,15 @@
           <pc:docMk/>
           <pc:sldMk cId="1922083465" sldId="262"/>
         </pc:sldMkLst>
-        <pc:picChg chg="add del">
-          <ac:chgData name="Maximilian Wagner" userId="299fb8deca5794aa" providerId="LiveId" clId="{8BDD2595-85F1-4A87-BAB2-4985FFFD9548}" dt="2025-11-02T19:55:42.828" v="19" actId="478"/>
-          <ac:picMkLst>
-            <pc:docMk/>
-            <pc:sldMk cId="1922083465" sldId="262"/>
-            <ac:picMk id="5" creationId="{545F14A1-3DD9-AD98-8C67-E15FCD1D341A}"/>
-          </ac:picMkLst>
-        </pc:picChg>
       </pc:sldChg>
-      <pc:sldChg chg="add del">
-        <pc:chgData name="Maximilian Wagner" userId="299fb8deca5794aa" providerId="LiveId" clId="{8BDD2595-85F1-4A87-BAB2-4985FFFD9548}" dt="2025-10-17T12:24:24.816" v="5" actId="2696"/>
-        <pc:sldMkLst>
-          <pc:docMk/>
-          <pc:sldMk cId="594298469" sldId="263"/>
-        </pc:sldMkLst>
-      </pc:sldChg>
-      <pc:sldChg chg="add del">
-        <pc:chgData name="Maximilian Wagner" userId="299fb8deca5794aa" providerId="LiveId" clId="{8BDD2595-85F1-4A87-BAB2-4985FFFD9548}" dt="2025-10-17T13:14:32.854" v="7" actId="2696"/>
-        <pc:sldMkLst>
-          <pc:docMk/>
-          <pc:sldMk cId="1731383654" sldId="263"/>
-        </pc:sldMkLst>
-      </pc:sldChg>
-      <pc:sldChg chg="addSp delSp new mod">
-        <pc:chgData name="Maximilian Wagner" userId="299fb8deca5794aa" providerId="LiveId" clId="{8BDD2595-85F1-4A87-BAB2-4985FFFD9548}" dt="2025-11-02T19:54:53.254" v="11" actId="478"/>
+      <pc:sldChg chg="addSp delSp new del mod">
+        <pc:chgData name="Maximilian Wagner" userId="299fb8deca5794aa" providerId="LiveId" clId="{8BDD2595-85F1-4A87-BAB2-4985FFFD9548}" dt="2025-11-17T08:41:55.213" v="85" actId="47"/>
         <pc:sldMkLst>
           <pc:docMk/>
           <pc:sldMk cId="2807364058" sldId="263"/>
         </pc:sldMkLst>
-        <pc:spChg chg="del">
-          <ac:chgData name="Maximilian Wagner" userId="299fb8deca5794aa" providerId="LiveId" clId="{8BDD2595-85F1-4A87-BAB2-4985FFFD9548}" dt="2025-11-02T19:54:53.254" v="11" actId="478"/>
-          <ac:spMkLst>
-            <pc:docMk/>
-            <pc:sldMk cId="2807364058" sldId="263"/>
-            <ac:spMk id="2" creationId="{6F450342-F558-187C-CEF2-7E926FED079E}"/>
-          </ac:spMkLst>
-        </pc:spChg>
-        <pc:spChg chg="del">
-          <ac:chgData name="Maximilian Wagner" userId="299fb8deca5794aa" providerId="LiveId" clId="{8BDD2595-85F1-4A87-BAB2-4985FFFD9548}" dt="2025-11-02T19:54:52.538" v="10" actId="478"/>
-          <ac:spMkLst>
-            <pc:docMk/>
-            <pc:sldMk cId="2807364058" sldId="263"/>
-            <ac:spMk id="3" creationId="{0A374780-D6E8-870A-F4B3-19CEE1927445}"/>
-          </ac:spMkLst>
-        </pc:spChg>
-        <pc:picChg chg="add">
-          <ac:chgData name="Maximilian Wagner" userId="299fb8deca5794aa" providerId="LiveId" clId="{8BDD2595-85F1-4A87-BAB2-4985FFFD9548}" dt="2025-11-02T19:54:46.974" v="9" actId="22"/>
+        <pc:picChg chg="add del">
+          <ac:chgData name="Maximilian Wagner" userId="299fb8deca5794aa" providerId="LiveId" clId="{8BDD2595-85F1-4A87-BAB2-4985FFFD9548}" dt="2025-11-17T08:41:53.147" v="84" actId="478"/>
           <ac:picMkLst>
             <pc:docMk/>
             <pc:sldMk cId="2807364058" sldId="263"/>
@@ -211,59 +170,19 @@
           </ac:picMkLst>
         </pc:picChg>
       </pc:sldChg>
-      <pc:sldChg chg="addSp delSp new mod ord">
-        <pc:chgData name="Maximilian Wagner" userId="299fb8deca5794aa" providerId="LiveId" clId="{8BDD2595-85F1-4A87-BAB2-4985FFFD9548}" dt="2025-11-03T09:05:31.431" v="81" actId="478"/>
+      <pc:sldChg chg="addSp delSp new del mod ord">
+        <pc:chgData name="Maximilian Wagner" userId="299fb8deca5794aa" providerId="LiveId" clId="{8BDD2595-85F1-4A87-BAB2-4985FFFD9548}" dt="2025-11-17T08:41:56.940" v="86" actId="47"/>
         <pc:sldMkLst>
           <pc:docMk/>
           <pc:sldMk cId="2605810839" sldId="264"/>
         </pc:sldMkLst>
-        <pc:spChg chg="del">
-          <ac:chgData name="Maximilian Wagner" userId="299fb8deca5794aa" providerId="LiveId" clId="{8BDD2595-85F1-4A87-BAB2-4985FFFD9548}" dt="2025-11-03T09:05:31.431" v="81" actId="478"/>
-          <ac:spMkLst>
-            <pc:docMk/>
-            <pc:sldMk cId="2605810839" sldId="264"/>
-            <ac:spMk id="2" creationId="{A2D271B7-1D9C-D6DD-2862-DA2A81E45F69}"/>
-          </ac:spMkLst>
-        </pc:spChg>
-        <pc:spChg chg="del">
-          <ac:chgData name="Maximilian Wagner" userId="299fb8deca5794aa" providerId="LiveId" clId="{8BDD2595-85F1-4A87-BAB2-4985FFFD9548}" dt="2025-11-03T09:05:30.908" v="80" actId="478"/>
-          <ac:spMkLst>
-            <pc:docMk/>
-            <pc:sldMk cId="2605810839" sldId="264"/>
-            <ac:spMk id="3" creationId="{39ED6A4B-BDE1-3A57-5EC6-200E6475575F}"/>
-          </ac:spMkLst>
-        </pc:spChg>
-        <pc:picChg chg="add">
-          <ac:chgData name="Maximilian Wagner" userId="299fb8deca5794aa" providerId="LiveId" clId="{8BDD2595-85F1-4A87-BAB2-4985FFFD9548}" dt="2025-11-02T19:55:08.093" v="13" actId="22"/>
-          <ac:picMkLst>
-            <pc:docMk/>
-            <pc:sldMk cId="2605810839" sldId="264"/>
-            <ac:picMk id="5" creationId="{4B125EE0-7E62-1EA5-0EED-46EDACEE0DAD}"/>
-          </ac:picMkLst>
-        </pc:picChg>
       </pc:sldChg>
-      <pc:sldChg chg="addSp delSp new mod">
-        <pc:chgData name="Maximilian Wagner" userId="299fb8deca5794aa" providerId="LiveId" clId="{8BDD2595-85F1-4A87-BAB2-4985FFFD9548}" dt="2025-11-03T09:05:35.921" v="83" actId="478"/>
+      <pc:sldChg chg="addSp delSp new del mod">
+        <pc:chgData name="Maximilian Wagner" userId="299fb8deca5794aa" providerId="LiveId" clId="{8BDD2595-85F1-4A87-BAB2-4985FFFD9548}" dt="2025-11-17T08:42:00.325" v="87" actId="47"/>
         <pc:sldMkLst>
           <pc:docMk/>
           <pc:sldMk cId="2473253059" sldId="265"/>
         </pc:sldMkLst>
-        <pc:spChg chg="del">
-          <ac:chgData name="Maximilian Wagner" userId="299fb8deca5794aa" providerId="LiveId" clId="{8BDD2595-85F1-4A87-BAB2-4985FFFD9548}" dt="2025-11-03T09:05:35.921" v="83" actId="478"/>
-          <ac:spMkLst>
-            <pc:docMk/>
-            <pc:sldMk cId="2473253059" sldId="265"/>
-            <ac:spMk id="2" creationId="{9D8DE6E2-9CB3-A1B1-FB3F-C4B38A3CF3C6}"/>
-          </ac:spMkLst>
-        </pc:spChg>
-        <pc:spChg chg="del">
-          <ac:chgData name="Maximilian Wagner" userId="299fb8deca5794aa" providerId="LiveId" clId="{8BDD2595-85F1-4A87-BAB2-4985FFFD9548}" dt="2025-11-03T09:05:33.848" v="82" actId="478"/>
-          <ac:spMkLst>
-            <pc:docMk/>
-            <pc:sldMk cId="2473253059" sldId="265"/>
-            <ac:spMk id="3" creationId="{4DC30222-93CB-ABDB-4800-47D2F7E0D23B}"/>
-          </ac:spMkLst>
-        </pc:spChg>
         <pc:picChg chg="add">
           <ac:chgData name="Maximilian Wagner" userId="299fb8deca5794aa" providerId="LiveId" clId="{8BDD2595-85F1-4A87-BAB2-4985FFFD9548}" dt="2025-11-02T19:55:46.565" v="21" actId="22"/>
           <ac:picMkLst>
@@ -425,7 +344,7 @@
           <a:p>
             <a:fld id="{85DB2195-700C-42A2-BC01-A3AA1AD1B872}" type="datetimeFigureOut">
               <a:rPr lang="de-DE" smtClean="0"/>
-              <a:t>03.11.2025</a:t>
+              <a:t>17.11.2025</a:t>
             </a:fld>
             <a:endParaRPr lang="de-DE"/>
           </a:p>
@@ -623,7 +542,7 @@
           <a:p>
             <a:fld id="{85DB2195-700C-42A2-BC01-A3AA1AD1B872}" type="datetimeFigureOut">
               <a:rPr lang="de-DE" smtClean="0"/>
-              <a:t>03.11.2025</a:t>
+              <a:t>17.11.2025</a:t>
             </a:fld>
             <a:endParaRPr lang="de-DE"/>
           </a:p>
@@ -831,7 +750,7 @@
           <a:p>
             <a:fld id="{85DB2195-700C-42A2-BC01-A3AA1AD1B872}" type="datetimeFigureOut">
               <a:rPr lang="de-DE" smtClean="0"/>
-              <a:t>03.11.2025</a:t>
+              <a:t>17.11.2025</a:t>
             </a:fld>
             <a:endParaRPr lang="de-DE"/>
           </a:p>
@@ -1029,7 +948,7 @@
           <a:p>
             <a:fld id="{85DB2195-700C-42A2-BC01-A3AA1AD1B872}" type="datetimeFigureOut">
               <a:rPr lang="de-DE" smtClean="0"/>
-              <a:t>03.11.2025</a:t>
+              <a:t>17.11.2025</a:t>
             </a:fld>
             <a:endParaRPr lang="de-DE"/>
           </a:p>
@@ -1304,7 +1223,7 @@
           <a:p>
             <a:fld id="{85DB2195-700C-42A2-BC01-A3AA1AD1B872}" type="datetimeFigureOut">
               <a:rPr lang="de-DE" smtClean="0"/>
-              <a:t>03.11.2025</a:t>
+              <a:t>17.11.2025</a:t>
             </a:fld>
             <a:endParaRPr lang="de-DE"/>
           </a:p>
@@ -1569,7 +1488,7 @@
           <a:p>
             <a:fld id="{85DB2195-700C-42A2-BC01-A3AA1AD1B872}" type="datetimeFigureOut">
               <a:rPr lang="de-DE" smtClean="0"/>
-              <a:t>03.11.2025</a:t>
+              <a:t>17.11.2025</a:t>
             </a:fld>
             <a:endParaRPr lang="de-DE"/>
           </a:p>
@@ -1981,7 +1900,7 @@
           <a:p>
             <a:fld id="{85DB2195-700C-42A2-BC01-A3AA1AD1B872}" type="datetimeFigureOut">
               <a:rPr lang="de-DE" smtClean="0"/>
-              <a:t>03.11.2025</a:t>
+              <a:t>17.11.2025</a:t>
             </a:fld>
             <a:endParaRPr lang="de-DE"/>
           </a:p>
@@ -2122,7 +2041,7 @@
           <a:p>
             <a:fld id="{85DB2195-700C-42A2-BC01-A3AA1AD1B872}" type="datetimeFigureOut">
               <a:rPr lang="de-DE" smtClean="0"/>
-              <a:t>03.11.2025</a:t>
+              <a:t>17.11.2025</a:t>
             </a:fld>
             <a:endParaRPr lang="de-DE"/>
           </a:p>
@@ -2235,7 +2154,7 @@
           <a:p>
             <a:fld id="{85DB2195-700C-42A2-BC01-A3AA1AD1B872}" type="datetimeFigureOut">
               <a:rPr lang="de-DE" smtClean="0"/>
-              <a:t>03.11.2025</a:t>
+              <a:t>17.11.2025</a:t>
             </a:fld>
             <a:endParaRPr lang="de-DE"/>
           </a:p>
@@ -2546,7 +2465,7 @@
           <a:p>
             <a:fld id="{85DB2195-700C-42A2-BC01-A3AA1AD1B872}" type="datetimeFigureOut">
               <a:rPr lang="de-DE" smtClean="0"/>
-              <a:t>03.11.2025</a:t>
+              <a:t>17.11.2025</a:t>
             </a:fld>
             <a:endParaRPr lang="de-DE"/>
           </a:p>
@@ -2834,7 +2753,7 @@
           <a:p>
             <a:fld id="{85DB2195-700C-42A2-BC01-A3AA1AD1B872}" type="datetimeFigureOut">
               <a:rPr lang="de-DE" smtClean="0"/>
-              <a:t>03.11.2025</a:t>
+              <a:t>17.11.2025</a:t>
             </a:fld>
             <a:endParaRPr lang="de-DE"/>
           </a:p>
@@ -3075,7 +2994,7 @@
           <a:p>
             <a:fld id="{85DB2195-700C-42A2-BC01-A3AA1AD1B872}" type="datetimeFigureOut">
               <a:rPr lang="de-DE" smtClean="0"/>
-              <a:t>03.11.2025</a:t>
+              <a:t>17.11.2025</a:t>
             </a:fld>
             <a:endParaRPr lang="de-DE"/>
           </a:p>
@@ -7848,66 +7767,6 @@
           <a:chExt cx="0" cy="0"/>
         </a:xfrm>
       </p:grpSpPr>
-      <p:pic>
-        <p:nvPicPr>
-          <p:cNvPr id="5" name="Grafik 4">
-            <a:extLst>
-              <a:ext uri="{FF2B5EF4-FFF2-40B4-BE49-F238E27FC236}">
-                <a16:creationId xmlns:a16="http://schemas.microsoft.com/office/drawing/2014/main" id="{77D0FA8B-985C-D513-62B3-669C199FFB63}"/>
-              </a:ext>
-            </a:extLst>
-          </p:cNvPr>
-          <p:cNvPicPr>
-            <a:picLocks noChangeAspect="1"/>
-          </p:cNvPicPr>
-          <p:nvPr/>
-        </p:nvPicPr>
-        <p:blipFill>
-          <a:blip r:embed="rId2"/>
-          <a:stretch>
-            <a:fillRect/>
-          </a:stretch>
-        </p:blipFill>
-        <p:spPr>
-          <a:xfrm>
-            <a:off x="1302604" y="1954402"/>
-            <a:ext cx="9586791" cy="2949196"/>
-          </a:xfrm>
-          <a:prstGeom prst="rect">
-            <a:avLst/>
-          </a:prstGeom>
-        </p:spPr>
-      </p:pic>
-    </p:spTree>
-    <p:extLst>
-      <p:ext uri="{BB962C8B-B14F-4D97-AF65-F5344CB8AC3E}">
-        <p14:creationId xmlns:p14="http://schemas.microsoft.com/office/powerpoint/2010/main" val="2807364058"/>
-      </p:ext>
-    </p:extLst>
-  </p:cSld>
-  <p:clrMapOvr>
-    <a:masterClrMapping/>
-  </p:clrMapOvr>
-</p:sld>
-</file>
-
-<file path=ppt/slides/slide6.xml><?xml version="1.0" encoding="utf-8"?>
-<p:sld xmlns:a="http://schemas.openxmlformats.org/drawingml/2006/main" xmlns:r="http://schemas.openxmlformats.org/officeDocument/2006/relationships" xmlns:p="http://schemas.openxmlformats.org/presentationml/2006/main">
-  <p:cSld>
-    <p:spTree>
-      <p:nvGrpSpPr>
-        <p:cNvPr id="1" name=""/>
-        <p:cNvGrpSpPr/>
-        <p:nvPr/>
-      </p:nvGrpSpPr>
-      <p:grpSpPr>
-        <a:xfrm>
-          <a:off x="0" y="0"/>
-          <a:ext cx="0" cy="0"/>
-          <a:chOff x="0" y="0"/>
-          <a:chExt cx="0" cy="0"/>
-        </a:xfrm>
-      </p:grpSpPr>
       <p:sp>
         <p:nvSpPr>
           <p:cNvPr id="2" name="Titel 1">
@@ -8138,67 +7997,7 @@
 </p:sld>
 </file>
 
-<file path=ppt/slides/slide7.xml><?xml version="1.0" encoding="utf-8"?>
-<p:sld xmlns:a="http://schemas.openxmlformats.org/drawingml/2006/main" xmlns:r="http://schemas.openxmlformats.org/officeDocument/2006/relationships" xmlns:p="http://schemas.openxmlformats.org/presentationml/2006/main">
-  <p:cSld>
-    <p:spTree>
-      <p:nvGrpSpPr>
-        <p:cNvPr id="1" name=""/>
-        <p:cNvGrpSpPr/>
-        <p:nvPr/>
-      </p:nvGrpSpPr>
-      <p:grpSpPr>
-        <a:xfrm>
-          <a:off x="0" y="0"/>
-          <a:ext cx="0" cy="0"/>
-          <a:chOff x="0" y="0"/>
-          <a:chExt cx="0" cy="0"/>
-        </a:xfrm>
-      </p:grpSpPr>
-      <p:pic>
-        <p:nvPicPr>
-          <p:cNvPr id="5" name="Grafik 4">
-            <a:extLst>
-              <a:ext uri="{FF2B5EF4-FFF2-40B4-BE49-F238E27FC236}">
-                <a16:creationId xmlns:a16="http://schemas.microsoft.com/office/drawing/2014/main" id="{4B125EE0-7E62-1EA5-0EED-46EDACEE0DAD}"/>
-              </a:ext>
-            </a:extLst>
-          </p:cNvPr>
-          <p:cNvPicPr>
-            <a:picLocks noChangeAspect="1"/>
-          </p:cNvPicPr>
-          <p:nvPr/>
-        </p:nvPicPr>
-        <p:blipFill>
-          <a:blip r:embed="rId2"/>
-          <a:stretch>
-            <a:fillRect/>
-          </a:stretch>
-        </p:blipFill>
-        <p:spPr>
-          <a:xfrm>
-            <a:off x="1428345" y="3131794"/>
-            <a:ext cx="9335309" cy="594412"/>
-          </a:xfrm>
-          <a:prstGeom prst="rect">
-            <a:avLst/>
-          </a:prstGeom>
-        </p:spPr>
-      </p:pic>
-    </p:spTree>
-    <p:extLst>
-      <p:ext uri="{BB962C8B-B14F-4D97-AF65-F5344CB8AC3E}">
-        <p14:creationId xmlns:p14="http://schemas.microsoft.com/office/powerpoint/2010/main" val="2605810839"/>
-      </p:ext>
-    </p:extLst>
-  </p:cSld>
-  <p:clrMapOvr>
-    <a:masterClrMapping/>
-  </p:clrMapOvr>
-</p:sld>
-</file>
-
-<file path=ppt/slides/slide8.xml><?xml version="1.0" encoding="utf-8"?>
+<file path=ppt/slides/slide6.xml><?xml version="1.0" encoding="utf-8"?>
 <p:sld xmlns:a="http://schemas.openxmlformats.org/drawingml/2006/main" xmlns:r="http://schemas.openxmlformats.org/officeDocument/2006/relationships" xmlns:p="http://schemas.openxmlformats.org/presentationml/2006/main">
   <p:cSld>
     <p:spTree>
@@ -8336,66 +8135,6 @@
     <p:extLst>
       <p:ext uri="{BB962C8B-B14F-4D97-AF65-F5344CB8AC3E}">
         <p14:creationId xmlns:p14="http://schemas.microsoft.com/office/powerpoint/2010/main" val="1922083465"/>
-      </p:ext>
-    </p:extLst>
-  </p:cSld>
-  <p:clrMapOvr>
-    <a:masterClrMapping/>
-  </p:clrMapOvr>
-</p:sld>
-</file>
-
-<file path=ppt/slides/slide9.xml><?xml version="1.0" encoding="utf-8"?>
-<p:sld xmlns:a="http://schemas.openxmlformats.org/drawingml/2006/main" xmlns:r="http://schemas.openxmlformats.org/officeDocument/2006/relationships" xmlns:p="http://schemas.openxmlformats.org/presentationml/2006/main">
-  <p:cSld>
-    <p:spTree>
-      <p:nvGrpSpPr>
-        <p:cNvPr id="1" name=""/>
-        <p:cNvGrpSpPr/>
-        <p:nvPr/>
-      </p:nvGrpSpPr>
-      <p:grpSpPr>
-        <a:xfrm>
-          <a:off x="0" y="0"/>
-          <a:ext cx="0" cy="0"/>
-          <a:chOff x="0" y="0"/>
-          <a:chExt cx="0" cy="0"/>
-        </a:xfrm>
-      </p:grpSpPr>
-      <p:pic>
-        <p:nvPicPr>
-          <p:cNvPr id="5" name="Grafik 4">
-            <a:extLst>
-              <a:ext uri="{FF2B5EF4-FFF2-40B4-BE49-F238E27FC236}">
-                <a16:creationId xmlns:a16="http://schemas.microsoft.com/office/drawing/2014/main" id="{0BBCE38E-1051-A343-355C-DF72AAC442FA}"/>
-              </a:ext>
-            </a:extLst>
-          </p:cNvPr>
-          <p:cNvPicPr>
-            <a:picLocks noChangeAspect="1"/>
-          </p:cNvPicPr>
-          <p:nvPr/>
-        </p:nvPicPr>
-        <p:blipFill>
-          <a:blip r:embed="rId2"/>
-          <a:stretch>
-            <a:fillRect/>
-          </a:stretch>
-        </p:blipFill>
-        <p:spPr>
-          <a:xfrm>
-            <a:off x="1447397" y="3135604"/>
-            <a:ext cx="9297206" cy="586791"/>
-          </a:xfrm>
-          <a:prstGeom prst="rect">
-            <a:avLst/>
-          </a:prstGeom>
-        </p:spPr>
-      </p:pic>
-    </p:spTree>
-    <p:extLst>
-      <p:ext uri="{BB962C8B-B14F-4D97-AF65-F5344CB8AC3E}">
-        <p14:creationId xmlns:p14="http://schemas.microsoft.com/office/powerpoint/2010/main" val="2473253059"/>
       </p:ext>
     </p:extLst>
   </p:cSld>
